--- a/Presentations/first pitch.pptx
+++ b/Presentations/first pitch.pptx
@@ -113,6 +113,11 @@
       </a:defRPr>
     </a:lvl9pPr>
   </p:defaultTextStyle>
+  <p:extLst>
+    <p:ext uri="{EFAFB233-063F-42B5-8137-9DF3F51BA10A}">
+      <p15:sldGuideLst xmlns:p15="http://schemas.microsoft.com/office/powerpoint/2012/main"/>
+    </p:ext>
+  </p:extLst>
 </p:presentation>
 </file>
 
@@ -694,7 +699,7 @@
           </a:lstStyle>
           <a:p>
             <a:r>
-              <a:rPr lang="en-US" smtClean="0"/>
+              <a:rPr lang="en-US"/>
               <a:t>Click to edit Master title style</a:t>
             </a:r>
             <a:endParaRPr lang="en-US" dirty="0"/>
@@ -814,7 +819,7 @@
           </a:lstStyle>
           <a:p>
             <a:r>
-              <a:rPr lang="en-US" smtClean="0"/>
+              <a:rPr lang="en-US"/>
               <a:t>Click to edit Master subtitle style</a:t>
             </a:r>
             <a:endParaRPr lang="en-US" dirty="0"/>
@@ -940,7 +945,7 @@
           </a:lstStyle>
           <a:p>
             <a:r>
-              <a:rPr lang="en-US" smtClean="0"/>
+              <a:rPr lang="en-US"/>
               <a:t>Click to edit Master title style</a:t>
             </a:r>
             <a:endParaRPr lang="en-US" dirty="0"/>
@@ -1063,7 +1068,7 @@
           <a:p>
             <a:pPr lvl="0"/>
             <a:r>
-              <a:rPr lang="en-US" smtClean="0"/>
+              <a:rPr lang="en-US"/>
               <a:t>Click to edit Master text styles</a:t>
             </a:r>
           </a:p>
@@ -1188,7 +1193,7 @@
           </a:lstStyle>
           <a:p>
             <a:r>
-              <a:rPr lang="en-US" smtClean="0"/>
+              <a:rPr lang="en-US"/>
               <a:t>Click to edit Master title style</a:t>
             </a:r>
             <a:endParaRPr lang="en-US" dirty="0"/>
@@ -1252,7 +1257,7 @@
           <a:p>
             <a:pPr lvl="0"/>
             <a:r>
-              <a:rPr lang="en-US" smtClean="0"/>
+              <a:rPr lang="en-US"/>
               <a:t>Click to edit Master text styles</a:t>
             </a:r>
           </a:p>
@@ -1374,7 +1379,7 @@
           <a:p>
             <a:pPr lvl="0"/>
             <a:r>
-              <a:rPr lang="en-US" smtClean="0"/>
+              <a:rPr lang="en-US"/>
               <a:t>Click to edit Master text styles</a:t>
             </a:r>
           </a:p>
@@ -1589,7 +1594,7 @@
           </a:lstStyle>
           <a:p>
             <a:r>
-              <a:rPr lang="en-US" smtClean="0"/>
+              <a:rPr lang="en-US"/>
               <a:t>Click to edit Master title style</a:t>
             </a:r>
             <a:endParaRPr lang="en-US" dirty="0"/>
@@ -1712,7 +1717,7 @@
           <a:p>
             <a:pPr lvl="0"/>
             <a:r>
-              <a:rPr lang="en-US" smtClean="0"/>
+              <a:rPr lang="en-US"/>
               <a:t>Click to edit Master text styles</a:t>
             </a:r>
           </a:p>
@@ -1837,7 +1842,7 @@
           </a:lstStyle>
           <a:p>
             <a:r>
-              <a:rPr lang="en-US" smtClean="0"/>
+              <a:rPr lang="en-US"/>
               <a:t>Click to edit Master title style</a:t>
             </a:r>
             <a:endParaRPr lang="en-US" dirty="0"/>
@@ -1901,7 +1906,7 @@
           <a:p>
             <a:pPr lvl="0"/>
             <a:r>
-              <a:rPr lang="en-US" smtClean="0"/>
+              <a:rPr lang="en-US"/>
               <a:t>Click to edit Master text styles</a:t>
             </a:r>
           </a:p>
@@ -2023,7 +2028,7 @@
           <a:p>
             <a:pPr lvl="0"/>
             <a:r>
-              <a:rPr lang="en-US" smtClean="0"/>
+              <a:rPr lang="en-US"/>
               <a:t>Click to edit Master text styles</a:t>
             </a:r>
           </a:p>
@@ -2230,7 +2235,7 @@
           </a:lstStyle>
           <a:p>
             <a:r>
-              <a:rPr lang="en-US" smtClean="0"/>
+              <a:rPr lang="en-US"/>
               <a:t>Click to edit Master title style</a:t>
             </a:r>
             <a:endParaRPr lang="en-US" dirty="0"/>
@@ -2291,7 +2296,7 @@
           <a:p>
             <a:pPr lvl="0"/>
             <a:r>
-              <a:rPr lang="en-US" smtClean="0"/>
+              <a:rPr lang="en-US"/>
               <a:t>Click to edit Master text styles</a:t>
             </a:r>
           </a:p>
@@ -2413,7 +2418,7 @@
           <a:p>
             <a:pPr lvl="0"/>
             <a:r>
-              <a:rPr lang="en-US" smtClean="0"/>
+              <a:rPr lang="en-US"/>
               <a:t>Click to edit Master text styles</a:t>
             </a:r>
           </a:p>
@@ -2527,7 +2532,7 @@
           <a:lstStyle/>
           <a:p>
             <a:r>
-              <a:rPr lang="en-US" smtClean="0"/>
+              <a:rPr lang="en-US"/>
               <a:t>Click to edit Master title style</a:t>
             </a:r>
             <a:endParaRPr lang="en-US" dirty="0"/>
@@ -2551,35 +2556,35 @@
           <a:p>
             <a:pPr lvl="0"/>
             <a:r>
-              <a:rPr lang="en-US" smtClean="0"/>
+              <a:rPr lang="en-US"/>
               <a:t>Click to edit Master text styles</a:t>
             </a:r>
           </a:p>
           <a:p>
             <a:pPr lvl="1"/>
             <a:r>
-              <a:rPr lang="en-US" smtClean="0"/>
+              <a:rPr lang="en-US"/>
               <a:t>Second level</a:t>
             </a:r>
           </a:p>
           <a:p>
             <a:pPr lvl="2"/>
             <a:r>
-              <a:rPr lang="en-US" smtClean="0"/>
+              <a:rPr lang="en-US"/>
               <a:t>Third level</a:t>
             </a:r>
           </a:p>
           <a:p>
             <a:pPr lvl="3"/>
             <a:r>
-              <a:rPr lang="en-US" smtClean="0"/>
+              <a:rPr lang="en-US"/>
               <a:t>Fourth level</a:t>
             </a:r>
           </a:p>
           <a:p>
             <a:pPr lvl="4"/>
             <a:r>
-              <a:rPr lang="en-US" smtClean="0"/>
+              <a:rPr lang="en-US"/>
               <a:t>Fifth level</a:t>
             </a:r>
             <a:endParaRPr lang="en-US" dirty="0"/>
@@ -2697,7 +2702,7 @@
           <a:lstStyle/>
           <a:p>
             <a:r>
-              <a:rPr lang="en-US" smtClean="0"/>
+              <a:rPr lang="en-US"/>
               <a:t>Click to edit Master title style</a:t>
             </a:r>
             <a:endParaRPr lang="en-US" dirty="0"/>
@@ -2726,35 +2731,35 @@
           <a:p>
             <a:pPr lvl="0"/>
             <a:r>
-              <a:rPr lang="en-US" smtClean="0"/>
+              <a:rPr lang="en-US"/>
               <a:t>Click to edit Master text styles</a:t>
             </a:r>
           </a:p>
           <a:p>
             <a:pPr lvl="1"/>
             <a:r>
-              <a:rPr lang="en-US" smtClean="0"/>
+              <a:rPr lang="en-US"/>
               <a:t>Second level</a:t>
             </a:r>
           </a:p>
           <a:p>
             <a:pPr lvl="2"/>
             <a:r>
-              <a:rPr lang="en-US" smtClean="0"/>
+              <a:rPr lang="en-US"/>
               <a:t>Third level</a:t>
             </a:r>
           </a:p>
           <a:p>
             <a:pPr lvl="3"/>
             <a:r>
-              <a:rPr lang="en-US" smtClean="0"/>
+              <a:rPr lang="en-US"/>
               <a:t>Fourth level</a:t>
             </a:r>
           </a:p>
           <a:p>
             <a:pPr lvl="4"/>
             <a:r>
-              <a:rPr lang="en-US" smtClean="0"/>
+              <a:rPr lang="en-US"/>
               <a:t>Fifth level</a:t>
             </a:r>
             <a:endParaRPr lang="en-US" dirty="0"/>
@@ -2875,7 +2880,7 @@
           </a:lstStyle>
           <a:p>
             <a:r>
-              <a:rPr lang="en-US" smtClean="0"/>
+              <a:rPr lang="en-US"/>
               <a:t>Click to edit Master title style</a:t>
             </a:r>
             <a:endParaRPr lang="en-US" dirty="0"/>
@@ -2899,35 +2904,35 @@
           <a:p>
             <a:pPr lvl="0"/>
             <a:r>
-              <a:rPr lang="en-US" smtClean="0"/>
+              <a:rPr lang="en-US"/>
               <a:t>Click to edit Master text styles</a:t>
             </a:r>
           </a:p>
           <a:p>
             <a:pPr lvl="1"/>
             <a:r>
-              <a:rPr lang="en-US" smtClean="0"/>
+              <a:rPr lang="en-US"/>
               <a:t>Second level</a:t>
             </a:r>
           </a:p>
           <a:p>
             <a:pPr lvl="2"/>
             <a:r>
-              <a:rPr lang="en-US" smtClean="0"/>
+              <a:rPr lang="en-US"/>
               <a:t>Third level</a:t>
             </a:r>
           </a:p>
           <a:p>
             <a:pPr lvl="3"/>
             <a:r>
-              <a:rPr lang="en-US" smtClean="0"/>
+              <a:rPr lang="en-US"/>
               <a:t>Fourth level</a:t>
             </a:r>
           </a:p>
           <a:p>
             <a:pPr lvl="4"/>
             <a:r>
-              <a:rPr lang="en-US" smtClean="0"/>
+              <a:rPr lang="en-US"/>
               <a:t>Fifth level</a:t>
             </a:r>
             <a:endParaRPr lang="en-US" dirty="0"/>
@@ -3051,7 +3056,7 @@
           </a:lstStyle>
           <a:p>
             <a:r>
-              <a:rPr lang="en-US" smtClean="0"/>
+              <a:rPr lang="en-US"/>
               <a:t>Click to edit Master title style</a:t>
             </a:r>
             <a:endParaRPr lang="en-US" dirty="0"/>
@@ -3172,7 +3177,7 @@
           <a:p>
             <a:pPr lvl="0"/>
             <a:r>
-              <a:rPr lang="en-US" smtClean="0"/>
+              <a:rPr lang="en-US"/>
               <a:t>Click to edit Master text styles</a:t>
             </a:r>
           </a:p>
@@ -3286,7 +3291,7 @@
           <a:lstStyle/>
           <a:p>
             <a:r>
-              <a:rPr lang="en-US" smtClean="0"/>
+              <a:rPr lang="en-US"/>
               <a:t>Click to edit Master title style</a:t>
             </a:r>
             <a:endParaRPr lang="en-US" dirty="0"/>
@@ -3315,35 +3320,35 @@
           <a:p>
             <a:pPr lvl="0"/>
             <a:r>
-              <a:rPr lang="en-US" smtClean="0"/>
+              <a:rPr lang="en-US"/>
               <a:t>Click to edit Master text styles</a:t>
             </a:r>
           </a:p>
           <a:p>
             <a:pPr lvl="1"/>
             <a:r>
-              <a:rPr lang="en-US" smtClean="0"/>
+              <a:rPr lang="en-US"/>
               <a:t>Second level</a:t>
             </a:r>
           </a:p>
           <a:p>
             <a:pPr lvl="2"/>
             <a:r>
-              <a:rPr lang="en-US" smtClean="0"/>
+              <a:rPr lang="en-US"/>
               <a:t>Third level</a:t>
             </a:r>
           </a:p>
           <a:p>
             <a:pPr lvl="3"/>
             <a:r>
-              <a:rPr lang="en-US" smtClean="0"/>
+              <a:rPr lang="en-US"/>
               <a:t>Fourth level</a:t>
             </a:r>
           </a:p>
           <a:p>
             <a:pPr lvl="4"/>
             <a:r>
-              <a:rPr lang="en-US" smtClean="0"/>
+              <a:rPr lang="en-US"/>
               <a:t>Fifth level</a:t>
             </a:r>
             <a:endParaRPr lang="en-US" dirty="0"/>
@@ -3372,35 +3377,35 @@
           <a:p>
             <a:pPr lvl="0"/>
             <a:r>
-              <a:rPr lang="en-US" smtClean="0"/>
+              <a:rPr lang="en-US"/>
               <a:t>Click to edit Master text styles</a:t>
             </a:r>
           </a:p>
           <a:p>
             <a:pPr lvl="1"/>
             <a:r>
-              <a:rPr lang="en-US" smtClean="0"/>
+              <a:rPr lang="en-US"/>
               <a:t>Second level</a:t>
             </a:r>
           </a:p>
           <a:p>
             <a:pPr lvl="2"/>
             <a:r>
-              <a:rPr lang="en-US" smtClean="0"/>
+              <a:rPr lang="en-US"/>
               <a:t>Third level</a:t>
             </a:r>
           </a:p>
           <a:p>
             <a:pPr lvl="3"/>
             <a:r>
-              <a:rPr lang="en-US" smtClean="0"/>
+              <a:rPr lang="en-US"/>
               <a:t>Fourth level</a:t>
             </a:r>
           </a:p>
           <a:p>
             <a:pPr lvl="4"/>
             <a:r>
-              <a:rPr lang="en-US" smtClean="0"/>
+              <a:rPr lang="en-US"/>
               <a:t>Fifth level</a:t>
             </a:r>
             <a:endParaRPr lang="en-US" dirty="0"/>
@@ -3517,7 +3522,7 @@
           </a:lstStyle>
           <a:p>
             <a:r>
-              <a:rPr lang="en-US" smtClean="0"/>
+              <a:rPr lang="en-US"/>
               <a:t>Click to edit Master title style</a:t>
             </a:r>
             <a:endParaRPr lang="en-US" dirty="0"/>
@@ -3585,7 +3590,7 @@
           <a:p>
             <a:pPr lvl="0"/>
             <a:r>
-              <a:rPr lang="en-US" smtClean="0"/>
+              <a:rPr lang="en-US"/>
               <a:t>Click to edit Master text styles</a:t>
             </a:r>
           </a:p>
@@ -3615,35 +3620,35 @@
           <a:p>
             <a:pPr lvl="0"/>
             <a:r>
-              <a:rPr lang="en-US" smtClean="0"/>
+              <a:rPr lang="en-US"/>
               <a:t>Click to edit Master text styles</a:t>
             </a:r>
           </a:p>
           <a:p>
             <a:pPr lvl="1"/>
             <a:r>
-              <a:rPr lang="en-US" smtClean="0"/>
+              <a:rPr lang="en-US"/>
               <a:t>Second level</a:t>
             </a:r>
           </a:p>
           <a:p>
             <a:pPr lvl="2"/>
             <a:r>
-              <a:rPr lang="en-US" smtClean="0"/>
+              <a:rPr lang="en-US"/>
               <a:t>Third level</a:t>
             </a:r>
           </a:p>
           <a:p>
             <a:pPr lvl="3"/>
             <a:r>
-              <a:rPr lang="en-US" smtClean="0"/>
+              <a:rPr lang="en-US"/>
               <a:t>Fourth level</a:t>
             </a:r>
           </a:p>
           <a:p>
             <a:pPr lvl="4"/>
             <a:r>
-              <a:rPr lang="en-US" smtClean="0"/>
+              <a:rPr lang="en-US"/>
               <a:t>Fifth level</a:t>
             </a:r>
             <a:endParaRPr lang="en-US" dirty="0"/>
@@ -3711,7 +3716,7 @@
           <a:p>
             <a:pPr lvl="0"/>
             <a:r>
-              <a:rPr lang="en-US" smtClean="0"/>
+              <a:rPr lang="en-US"/>
               <a:t>Click to edit Master text styles</a:t>
             </a:r>
           </a:p>
@@ -3741,35 +3746,35 @@
           <a:p>
             <a:pPr lvl="0"/>
             <a:r>
-              <a:rPr lang="en-US" smtClean="0"/>
+              <a:rPr lang="en-US"/>
               <a:t>Click to edit Master text styles</a:t>
             </a:r>
           </a:p>
           <a:p>
             <a:pPr lvl="1"/>
             <a:r>
-              <a:rPr lang="en-US" smtClean="0"/>
+              <a:rPr lang="en-US"/>
               <a:t>Second level</a:t>
             </a:r>
           </a:p>
           <a:p>
             <a:pPr lvl="2"/>
             <a:r>
-              <a:rPr lang="en-US" smtClean="0"/>
+              <a:rPr lang="en-US"/>
               <a:t>Third level</a:t>
             </a:r>
           </a:p>
           <a:p>
             <a:pPr lvl="3"/>
             <a:r>
-              <a:rPr lang="en-US" smtClean="0"/>
+              <a:rPr lang="en-US"/>
               <a:t>Fourth level</a:t>
             </a:r>
           </a:p>
           <a:p>
             <a:pPr lvl="4"/>
             <a:r>
-              <a:rPr lang="en-US" smtClean="0"/>
+              <a:rPr lang="en-US"/>
               <a:t>Fifth level</a:t>
             </a:r>
             <a:endParaRPr lang="en-US" dirty="0"/>
@@ -3889,7 +3894,7 @@
           <a:lstStyle/>
           <a:p>
             <a:r>
-              <a:rPr lang="en-US" smtClean="0"/>
+              <a:rPr lang="en-US"/>
               <a:t>Click to edit Master title style</a:t>
             </a:r>
             <a:endParaRPr lang="en-US" dirty="0"/>
@@ -4107,7 +4112,7 @@
           </a:lstStyle>
           <a:p>
             <a:r>
-              <a:rPr lang="en-US" smtClean="0"/>
+              <a:rPr lang="en-US"/>
               <a:t>Click to edit Master title style</a:t>
             </a:r>
             <a:endParaRPr lang="en-US" dirty="0"/>
@@ -4138,35 +4143,35 @@
           <a:p>
             <a:pPr lvl="0"/>
             <a:r>
-              <a:rPr lang="en-US" smtClean="0"/>
+              <a:rPr lang="en-US"/>
               <a:t>Click to edit Master text styles</a:t>
             </a:r>
           </a:p>
           <a:p>
             <a:pPr lvl="1"/>
             <a:r>
-              <a:rPr lang="en-US" smtClean="0"/>
+              <a:rPr lang="en-US"/>
               <a:t>Second level</a:t>
             </a:r>
           </a:p>
           <a:p>
             <a:pPr lvl="2"/>
             <a:r>
-              <a:rPr lang="en-US" smtClean="0"/>
+              <a:rPr lang="en-US"/>
               <a:t>Third level</a:t>
             </a:r>
           </a:p>
           <a:p>
             <a:pPr lvl="3"/>
             <a:r>
-              <a:rPr lang="en-US" smtClean="0"/>
+              <a:rPr lang="en-US"/>
               <a:t>Fourth level</a:t>
             </a:r>
           </a:p>
           <a:p>
             <a:pPr lvl="4"/>
             <a:r>
-              <a:rPr lang="en-US" smtClean="0"/>
+              <a:rPr lang="en-US"/>
               <a:t>Fifth level</a:t>
             </a:r>
             <a:endParaRPr lang="en-US" dirty="0"/>
@@ -4234,7 +4239,7 @@
           <a:p>
             <a:pPr lvl="0"/>
             <a:r>
-              <a:rPr lang="en-US" smtClean="0"/>
+              <a:rPr lang="en-US"/>
               <a:t>Click to edit Master text styles</a:t>
             </a:r>
           </a:p>
@@ -4357,7 +4362,7 @@
           </a:lstStyle>
           <a:p>
             <a:r>
-              <a:rPr lang="en-US" smtClean="0"/>
+              <a:rPr lang="en-US"/>
               <a:t>Click to edit Master title style</a:t>
             </a:r>
             <a:endParaRPr lang="en-US" dirty="0"/>
@@ -4424,7 +4429,7 @@
           </a:lstStyle>
           <a:p>
             <a:r>
-              <a:rPr lang="en-US" smtClean="0"/>
+              <a:rPr lang="en-US"/>
               <a:t>Click icon to add picture</a:t>
             </a:r>
             <a:endParaRPr lang="en-US" dirty="0"/>
@@ -4492,7 +4497,7 @@
           <a:p>
             <a:pPr lvl="0"/>
             <a:r>
-              <a:rPr lang="en-US" smtClean="0"/>
+              <a:rPr lang="en-US"/>
               <a:t>Click to edit Master text styles</a:t>
             </a:r>
           </a:p>
@@ -5151,7 +5156,7 @@
           <a:lstStyle/>
           <a:p>
             <a:r>
-              <a:rPr lang="en-US" smtClean="0"/>
+              <a:rPr lang="en-US"/>
               <a:t>Click to edit Master title style</a:t>
             </a:r>
             <a:endParaRPr lang="en-US" dirty="0"/>
@@ -5185,35 +5190,35 @@
           <a:p>
             <a:pPr lvl="0"/>
             <a:r>
-              <a:rPr lang="en-US" smtClean="0"/>
+              <a:rPr lang="en-US"/>
               <a:t>Click to edit Master text styles</a:t>
             </a:r>
           </a:p>
           <a:p>
             <a:pPr lvl="1"/>
             <a:r>
-              <a:rPr lang="en-US" smtClean="0"/>
+              <a:rPr lang="en-US"/>
               <a:t>Second level</a:t>
             </a:r>
           </a:p>
           <a:p>
             <a:pPr lvl="2"/>
             <a:r>
-              <a:rPr lang="en-US" smtClean="0"/>
+              <a:rPr lang="en-US"/>
               <a:t>Third level</a:t>
             </a:r>
           </a:p>
           <a:p>
             <a:pPr lvl="3"/>
             <a:r>
-              <a:rPr lang="en-US" smtClean="0"/>
+              <a:rPr lang="en-US"/>
               <a:t>Fourth level</a:t>
             </a:r>
           </a:p>
           <a:p>
             <a:pPr lvl="4"/>
             <a:r>
-              <a:rPr lang="en-US" smtClean="0"/>
+              <a:rPr lang="en-US"/>
               <a:t>Fifth level</a:t>
             </a:r>
             <a:endParaRPr lang="en-US" dirty="0"/>
@@ -5792,10 +5797,9 @@
           <a:lstStyle/>
           <a:p>
             <a:r>
-              <a:rPr lang="en-GB" dirty="0" smtClean="0"/>
+              <a:rPr lang="en-GB" dirty="0"/>
               <a:t>Level 4/5 Group 18</a:t>
             </a:r>
-            <a:endParaRPr lang="en-GB" dirty="0"/>
           </a:p>
         </p:txBody>
       </p:sp>
@@ -5815,11 +5819,11 @@
           <a:lstStyle/>
           <a:p>
             <a:r>
-              <a:rPr lang="en-GB" dirty="0" smtClean="0"/>
+              <a:rPr lang="en-GB" dirty="0"/>
               <a:t>Blake Hewitt, Elliot Dewhurst &amp; Guy </a:t>
             </a:r>
             <a:r>
-              <a:rPr lang="en-GB" dirty="0" err="1" smtClean="0"/>
+              <a:rPr lang="en-GB" dirty="0" err="1"/>
               <a:t>Zawada</a:t>
             </a:r>
             <a:endParaRPr lang="en-GB" dirty="0"/>
@@ -5879,10 +5883,9 @@
           <a:lstStyle/>
           <a:p>
             <a:r>
-              <a:rPr lang="en-GB" sz="6000" dirty="0" smtClean="0"/>
+              <a:rPr lang="en-GB" sz="6000" dirty="0"/>
               <a:t>Questions?</a:t>
             </a:r>
-            <a:endParaRPr lang="en-GB" sz="6000" dirty="0"/>
           </a:p>
         </p:txBody>
       </p:sp>
@@ -5932,34 +5935,33 @@
           <a:lstStyle/>
           <a:p>
             <a:r>
-              <a:rPr lang="en-GB" dirty="0" smtClean="0"/>
+              <a:rPr lang="en-GB" dirty="0"/>
               <a:t>What’s Our Idea?</a:t>
             </a:r>
+          </a:p>
+        </p:txBody>
+      </p:sp>
+      <p:sp>
+        <p:nvSpPr>
+          <p:cNvPr id="3" name="Content Placeholder 2"/>
+          <p:cNvSpPr>
+            <a:spLocks noGrp="1"/>
+          </p:cNvSpPr>
+          <p:nvPr>
+            <p:ph idx="1"/>
+          </p:nvPr>
+        </p:nvSpPr>
+        <p:spPr/>
+        <p:txBody>
+          <a:bodyPr/>
+          <a:lstStyle/>
+          <a:p>
             <a:endParaRPr lang="en-GB" dirty="0"/>
           </a:p>
-        </p:txBody>
-      </p:sp>
-      <p:sp>
-        <p:nvSpPr>
-          <p:cNvPr id="3" name="Content Placeholder 2"/>
-          <p:cNvSpPr>
-            <a:spLocks noGrp="1"/>
-          </p:cNvSpPr>
-          <p:nvPr>
-            <p:ph idx="1"/>
-          </p:nvPr>
-        </p:nvSpPr>
-        <p:spPr/>
-        <p:txBody>
-          <a:bodyPr/>
-          <a:lstStyle/>
-          <a:p>
-            <a:endParaRPr lang="en-GB" dirty="0" smtClean="0"/>
-          </a:p>
-          <a:p>
-            <a:r>
-              <a:rPr lang="en-GB" dirty="0" smtClean="0"/>
-              <a:t>Physics based Sumo style 1 on 1 arena game</a:t>
+          <a:p>
+            <a:r>
+              <a:rPr lang="en-GB" dirty="0"/>
+              <a:t>Physics-Based, Sumo style, 1 on 1 arena game</a:t>
             </a:r>
           </a:p>
           <a:p>
@@ -5967,8 +5969,8 @@
           </a:p>
           <a:p>
             <a:r>
-              <a:rPr lang="en-GB" dirty="0" smtClean="0"/>
-              <a:t>The objective is to push your opponent off of the arena</a:t>
+              <a:rPr lang="en-GB" dirty="0"/>
+              <a:t>The objective is to push your opponent off the arena</a:t>
             </a:r>
           </a:p>
           <a:p>
@@ -5976,10 +5978,9 @@
           </a:p>
           <a:p>
             <a:r>
-              <a:rPr lang="en-GB" dirty="0" smtClean="0"/>
-              <a:t>Collect Power Ups to increases you pushing ability</a:t>
-            </a:r>
-            <a:endParaRPr lang="en-GB" dirty="0"/>
+              <a:rPr lang="en-GB" dirty="0"/>
+              <a:t>Collect Power Ups to increases you pushing force and other attributes</a:t>
+            </a:r>
           </a:p>
         </p:txBody>
       </p:sp>
@@ -6029,31 +6030,39 @@
           <a:lstStyle/>
           <a:p>
             <a:r>
-              <a:rPr lang="en-GB" dirty="0" smtClean="0"/>
+              <a:rPr lang="en-GB" dirty="0"/>
               <a:t>Mechanics</a:t>
             </a:r>
+          </a:p>
+        </p:txBody>
+      </p:sp>
+      <p:sp>
+        <p:nvSpPr>
+          <p:cNvPr id="3" name="Content Placeholder 2"/>
+          <p:cNvSpPr>
+            <a:spLocks noGrp="1"/>
+          </p:cNvSpPr>
+          <p:nvPr>
+            <p:ph idx="1"/>
+          </p:nvPr>
+        </p:nvSpPr>
+        <p:spPr/>
+        <p:txBody>
+          <a:bodyPr/>
+          <a:lstStyle/>
+          <a:p>
+            <a:r>
+              <a:rPr lang="en-GB" dirty="0"/>
+              <a:t>Physics based pushing</a:t>
+            </a:r>
+          </a:p>
+          <a:p>
             <a:endParaRPr lang="en-GB" dirty="0"/>
           </a:p>
-        </p:txBody>
-      </p:sp>
-      <p:sp>
-        <p:nvSpPr>
-          <p:cNvPr id="3" name="Content Placeholder 2"/>
-          <p:cNvSpPr>
-            <a:spLocks noGrp="1"/>
-          </p:cNvSpPr>
-          <p:nvPr>
-            <p:ph idx="1"/>
-          </p:nvPr>
-        </p:nvSpPr>
-        <p:spPr/>
-        <p:txBody>
-          <a:bodyPr/>
-          <a:lstStyle/>
-          <a:p>
-            <a:r>
-              <a:rPr lang="en-GB" dirty="0" smtClean="0"/>
-              <a:t>Physics based pushing</a:t>
+          <a:p>
+            <a:r>
+              <a:rPr lang="en-GB" dirty="0"/>
+              <a:t>Power Up collection</a:t>
             </a:r>
           </a:p>
           <a:p>
@@ -6061,8 +6070,8 @@
           </a:p>
           <a:p>
             <a:r>
-              <a:rPr lang="en-GB" dirty="0" smtClean="0"/>
-              <a:t>Power Ups – collection</a:t>
+              <a:rPr lang="en-GB" dirty="0"/>
+              <a:t>Avoidance of opponent and obstacles</a:t>
             </a:r>
           </a:p>
           <a:p>
@@ -6070,19 +6079,9 @@
           </a:p>
           <a:p>
             <a:r>
-              <a:rPr lang="en-GB" dirty="0" smtClean="0"/>
-              <a:t>Avoidance of opponent and obstacles</a:t>
-            </a:r>
-          </a:p>
-          <a:p>
-            <a:endParaRPr lang="en-GB" dirty="0"/>
-          </a:p>
-          <a:p>
-            <a:r>
-              <a:rPr lang="en-GB" dirty="0" smtClean="0"/>
-              <a:t>Round timer</a:t>
-            </a:r>
-            <a:endParaRPr lang="en-GB" dirty="0"/>
+              <a:rPr lang="en-GB" dirty="0"/>
+              <a:t>Round Timer</a:t>
+            </a:r>
           </a:p>
         </p:txBody>
       </p:sp>
@@ -6132,13 +6131,45 @@
           <a:lstStyle/>
           <a:p>
             <a:r>
-              <a:rPr lang="en-GB" dirty="0" smtClean="0"/>
+              <a:rPr lang="en-GB" dirty="0"/>
               <a:t>Gameplay Demo</a:t>
             </a:r>
-            <a:endParaRPr lang="en-GB" dirty="0"/>
-          </a:p>
-        </p:txBody>
-      </p:sp>
+          </a:p>
+        </p:txBody>
+      </p:sp>
+      <p:pic>
+        <p:nvPicPr>
+          <p:cNvPr id="3" name="GameDemo">
+            <a:hlinkClick r:id="" action="ppaction://media"/>
+          </p:cNvPr>
+          <p:cNvPicPr>
+            <a:picLocks noChangeAspect="1"/>
+          </p:cNvPicPr>
+          <p:nvPr>
+            <a:videoFile r:link="rId2"/>
+            <p:extLst>
+              <p:ext uri="{DAA4B4D4-6D71-4841-9C94-3DE7FCFB9230}">
+                <p14:media xmlns:p14="http://schemas.microsoft.com/office/powerpoint/2010/main" r:embed="rId1"/>
+              </p:ext>
+            </p:extLst>
+          </p:nvPr>
+        </p:nvPicPr>
+        <p:blipFill>
+          <a:blip r:embed="rId4"/>
+          <a:stretch>
+            <a:fillRect/>
+          </a:stretch>
+        </p:blipFill>
+        <p:spPr>
+          <a:xfrm>
+            <a:off x="1543574" y="1736340"/>
+            <a:ext cx="8331928" cy="4537575"/>
+          </a:xfrm>
+          <a:prstGeom prst="rect">
+            <a:avLst/>
+          </a:prstGeom>
+        </p:spPr>
+      </p:pic>
     </p:spTree>
     <p:extLst>
       <p:ext uri="{BB962C8B-B14F-4D97-AF65-F5344CB8AC3E}">
@@ -6149,6 +6180,86 @@
   <p:clrMapOvr>
     <a:masterClrMapping/>
   </p:clrMapOvr>
+  <p:timing>
+    <p:tnLst>
+      <p:par>
+        <p:cTn id="1" dur="indefinite" restart="never" nodeType="tmRoot">
+          <p:childTnLst>
+            <p:seq concurrent="1" nextAc="seek">
+              <p:cTn id="2" restart="whenNotActive" fill="hold" evtFilter="cancelBubble" nodeType="interactiveSeq">
+                <p:stCondLst>
+                  <p:cond evt="onClick" delay="0">
+                    <p:tgtEl>
+                      <p:spTgt spid="3"/>
+                    </p:tgtEl>
+                  </p:cond>
+                </p:stCondLst>
+                <p:endSync evt="end" delay="0">
+                  <p:rtn val="all"/>
+                </p:endSync>
+                <p:childTnLst>
+                  <p:par>
+                    <p:cTn id="3" fill="hold">
+                      <p:stCondLst>
+                        <p:cond delay="0"/>
+                      </p:stCondLst>
+                      <p:childTnLst>
+                        <p:par>
+                          <p:cTn id="4" fill="hold">
+                            <p:stCondLst>
+                              <p:cond delay="0"/>
+                            </p:stCondLst>
+                            <p:childTnLst>
+                              <p:par>
+                                <p:cTn id="5" presetID="2" presetClass="mediacall" presetSubtype="0" fill="hold" nodeType="clickEffect">
+                                  <p:stCondLst>
+                                    <p:cond delay="0"/>
+                                  </p:stCondLst>
+                                  <p:childTnLst>
+                                    <p:cmd type="call" cmd="togglePause">
+                                      <p:cBhvr>
+                                        <p:cTn id="6" dur="1" fill="hold"/>
+                                        <p:tgtEl>
+                                          <p:spTgt spid="3"/>
+                                        </p:tgtEl>
+                                      </p:cBhvr>
+                                    </p:cmd>
+                                  </p:childTnLst>
+                                </p:cTn>
+                              </p:par>
+                            </p:childTnLst>
+                          </p:cTn>
+                        </p:par>
+                      </p:childTnLst>
+                    </p:cTn>
+                  </p:par>
+                </p:childTnLst>
+              </p:cTn>
+              <p:nextCondLst>
+                <p:cond evt="onClick" delay="0">
+                  <p:tgtEl>
+                    <p:spTgt spid="3"/>
+                  </p:tgtEl>
+                </p:cond>
+              </p:nextCondLst>
+            </p:seq>
+            <p:video>
+              <p:cMediaNode vol="80000">
+                <p:cTn id="7" fill="hold" display="0">
+                  <p:stCondLst>
+                    <p:cond delay="indefinite"/>
+                  </p:stCondLst>
+                </p:cTn>
+                <p:tgtEl>
+                  <p:spTgt spid="3"/>
+                </p:tgtEl>
+              </p:cMediaNode>
+            </p:video>
+          </p:childTnLst>
+        </p:cTn>
+      </p:par>
+    </p:tnLst>
+  </p:timing>
 </p:sld>
 </file>
 
@@ -6185,31 +6296,39 @@
           <a:lstStyle/>
           <a:p>
             <a:r>
-              <a:rPr lang="en-GB" dirty="0" smtClean="0"/>
+              <a:rPr lang="en-GB" dirty="0"/>
               <a:t>Design</a:t>
             </a:r>
+          </a:p>
+        </p:txBody>
+      </p:sp>
+      <p:sp>
+        <p:nvSpPr>
+          <p:cNvPr id="3" name="Content Placeholder 2"/>
+          <p:cNvSpPr>
+            <a:spLocks noGrp="1"/>
+          </p:cNvSpPr>
+          <p:nvPr>
+            <p:ph idx="1"/>
+          </p:nvPr>
+        </p:nvSpPr>
+        <p:spPr/>
+        <p:txBody>
+          <a:bodyPr/>
+          <a:lstStyle/>
+          <a:p>
+            <a:r>
+              <a:rPr lang="en-GB" dirty="0"/>
+              <a:t>Simple art style</a:t>
+            </a:r>
+          </a:p>
+          <a:p>
             <a:endParaRPr lang="en-GB" dirty="0"/>
           </a:p>
-        </p:txBody>
-      </p:sp>
-      <p:sp>
-        <p:nvSpPr>
-          <p:cNvPr id="3" name="Content Placeholder 2"/>
-          <p:cNvSpPr>
-            <a:spLocks noGrp="1"/>
-          </p:cNvSpPr>
-          <p:nvPr>
-            <p:ph idx="1"/>
-          </p:nvPr>
-        </p:nvSpPr>
-        <p:spPr/>
-        <p:txBody>
-          <a:bodyPr/>
-          <a:lstStyle/>
-          <a:p>
-            <a:r>
-              <a:rPr lang="en-GB" dirty="0" smtClean="0"/>
-              <a:t>Simple art style</a:t>
+          <a:p>
+            <a:r>
+              <a:rPr lang="en-GB" dirty="0"/>
+              <a:t>2 Player competition</a:t>
             </a:r>
           </a:p>
           <a:p>
@@ -6218,22 +6337,8 @@
           <a:p>
             <a:r>
               <a:rPr lang="en-GB" dirty="0"/>
-              <a:t>2</a:t>
-            </a:r>
-            <a:r>
-              <a:rPr lang="en-GB" dirty="0" smtClean="0"/>
-              <a:t> Player competition</a:t>
-            </a:r>
-          </a:p>
-          <a:p>
-            <a:endParaRPr lang="en-GB" dirty="0" smtClean="0"/>
-          </a:p>
-          <a:p>
-            <a:r>
-              <a:rPr lang="en-GB" dirty="0" smtClean="0"/>
               <a:t>Single life per round</a:t>
             </a:r>
-            <a:endParaRPr lang="en-GB" dirty="0"/>
           </a:p>
           <a:p>
             <a:endParaRPr lang="en-GB" dirty="0"/>
@@ -6286,10 +6391,9 @@
           <a:lstStyle/>
           <a:p>
             <a:r>
-              <a:rPr lang="en-GB" dirty="0" smtClean="0"/>
+              <a:rPr lang="en-GB" dirty="0"/>
               <a:t>Level Designs</a:t>
             </a:r>
-            <a:endParaRPr lang="en-GB" dirty="0"/>
           </a:p>
         </p:txBody>
       </p:sp>
@@ -6462,33 +6566,32 @@
           <a:lstStyle/>
           <a:p>
             <a:r>
-              <a:rPr lang="en-GB" dirty="0" smtClean="0"/>
+              <a:rPr lang="en-GB" dirty="0"/>
               <a:t>Level Design Details</a:t>
             </a:r>
+          </a:p>
+        </p:txBody>
+      </p:sp>
+      <p:sp>
+        <p:nvSpPr>
+          <p:cNvPr id="3" name="Content Placeholder 2"/>
+          <p:cNvSpPr>
+            <a:spLocks noGrp="1"/>
+          </p:cNvSpPr>
+          <p:nvPr>
+            <p:ph idx="1"/>
+          </p:nvPr>
+        </p:nvSpPr>
+        <p:spPr/>
+        <p:txBody>
+          <a:bodyPr/>
+          <a:lstStyle/>
+          <a:p>
             <a:endParaRPr lang="en-GB" dirty="0"/>
           </a:p>
-        </p:txBody>
-      </p:sp>
-      <p:sp>
-        <p:nvSpPr>
-          <p:cNvPr id="3" name="Content Placeholder 2"/>
-          <p:cNvSpPr>
-            <a:spLocks noGrp="1"/>
-          </p:cNvSpPr>
-          <p:nvPr>
-            <p:ph idx="1"/>
-          </p:nvPr>
-        </p:nvSpPr>
-        <p:spPr/>
-        <p:txBody>
-          <a:bodyPr/>
-          <a:lstStyle/>
-          <a:p>
-            <a:endParaRPr lang="en-GB" dirty="0" smtClean="0"/>
-          </a:p>
-          <a:p>
-            <a:r>
-              <a:rPr lang="en-GB" dirty="0" smtClean="0"/>
+          <a:p>
+            <a:r>
+              <a:rPr lang="en-GB" dirty="0"/>
               <a:t>Power Ups – Increase Mass, Increase Pushing Force, Increase Speed</a:t>
             </a:r>
           </a:p>
@@ -6497,7 +6600,7 @@
           </a:p>
           <a:p>
             <a:r>
-              <a:rPr lang="en-GB" dirty="0" smtClean="0"/>
+              <a:rPr lang="en-GB" dirty="0"/>
               <a:t>Obstacles in the level</a:t>
             </a:r>
           </a:p>
@@ -6506,7 +6609,7 @@
           </a:p>
           <a:p>
             <a:r>
-              <a:rPr lang="en-GB" dirty="0" smtClean="0"/>
+              <a:rPr lang="en-GB" dirty="0"/>
               <a:t>Random level for each round</a:t>
             </a:r>
           </a:p>
@@ -6564,10 +6667,9 @@
           <a:lstStyle/>
           <a:p>
             <a:r>
-              <a:rPr lang="en-GB" dirty="0" smtClean="0"/>
+              <a:rPr lang="en-GB" dirty="0"/>
               <a:t>UI/Screen Mock Up</a:t>
             </a:r>
-            <a:endParaRPr lang="en-GB" dirty="0"/>
           </a:p>
         </p:txBody>
       </p:sp>
@@ -6636,33 +6738,32 @@
           <a:lstStyle/>
           <a:p>
             <a:r>
-              <a:rPr lang="en-GB" dirty="0" smtClean="0"/>
+              <a:rPr lang="en-GB" dirty="0"/>
               <a:t>Stretch/Future Goals</a:t>
             </a:r>
+          </a:p>
+        </p:txBody>
+      </p:sp>
+      <p:sp>
+        <p:nvSpPr>
+          <p:cNvPr id="3" name="Content Placeholder 2"/>
+          <p:cNvSpPr>
+            <a:spLocks noGrp="1"/>
+          </p:cNvSpPr>
+          <p:nvPr>
+            <p:ph idx="1"/>
+          </p:nvPr>
+        </p:nvSpPr>
+        <p:spPr/>
+        <p:txBody>
+          <a:bodyPr/>
+          <a:lstStyle/>
+          <a:p>
             <a:endParaRPr lang="en-GB" dirty="0"/>
           </a:p>
-        </p:txBody>
-      </p:sp>
-      <p:sp>
-        <p:nvSpPr>
-          <p:cNvPr id="3" name="Content Placeholder 2"/>
-          <p:cNvSpPr>
-            <a:spLocks noGrp="1"/>
-          </p:cNvSpPr>
-          <p:nvPr>
-            <p:ph idx="1"/>
-          </p:nvPr>
-        </p:nvSpPr>
-        <p:spPr/>
-        <p:txBody>
-          <a:bodyPr/>
-          <a:lstStyle/>
-          <a:p>
-            <a:endParaRPr lang="en-GB" dirty="0" smtClean="0"/>
-          </a:p>
-          <a:p>
-            <a:r>
-              <a:rPr lang="en-GB" dirty="0" smtClean="0"/>
+          <a:p>
+            <a:r>
+              <a:rPr lang="en-GB" dirty="0"/>
               <a:t>Shrinking Level</a:t>
             </a:r>
           </a:p>
@@ -6671,7 +6772,7 @@
           </a:p>
           <a:p>
             <a:r>
-              <a:rPr lang="en-GB" dirty="0" smtClean="0"/>
+              <a:rPr lang="en-GB" dirty="0"/>
               <a:t>Different Floors to levels</a:t>
             </a:r>
           </a:p>
@@ -6680,10 +6781,9 @@
           </a:p>
           <a:p>
             <a:r>
-              <a:rPr lang="en-GB" dirty="0" smtClean="0"/>
+              <a:rPr lang="en-GB" dirty="0"/>
               <a:t>Fully decide the art style</a:t>
             </a:r>
-            <a:endParaRPr lang="en-GB" dirty="0"/>
           </a:p>
         </p:txBody>
       </p:sp>
